--- a/Fundamentos de diseño web.pptx
+++ b/Fundamentos de diseño web.pptx
@@ -274,7 +274,7 @@
           <a:p>
             <a:fld id="{93B382EE-9EE9-4702-9E8A-66912E836D88}" type="datetimeFigureOut">
               <a:rPr lang="es-PE" smtClean="0"/>
-              <a:t>8/03/2017</a:t>
+              <a:t>9/03/2017</a:t>
             </a:fld>
             <a:endParaRPr lang="es-PE"/>
           </a:p>
@@ -444,7 +444,7 @@
           <a:p>
             <a:fld id="{93B382EE-9EE9-4702-9E8A-66912E836D88}" type="datetimeFigureOut">
               <a:rPr lang="es-PE" smtClean="0"/>
-              <a:t>8/03/2017</a:t>
+              <a:t>9/03/2017</a:t>
             </a:fld>
             <a:endParaRPr lang="es-PE"/>
           </a:p>
@@ -624,7 +624,7 @@
           <a:p>
             <a:fld id="{93B382EE-9EE9-4702-9E8A-66912E836D88}" type="datetimeFigureOut">
               <a:rPr lang="es-PE" smtClean="0"/>
-              <a:t>8/03/2017</a:t>
+              <a:t>9/03/2017</a:t>
             </a:fld>
             <a:endParaRPr lang="es-PE"/>
           </a:p>
@@ -794,7 +794,7 @@
           <a:p>
             <a:fld id="{93B382EE-9EE9-4702-9E8A-66912E836D88}" type="datetimeFigureOut">
               <a:rPr lang="es-PE" smtClean="0"/>
-              <a:t>8/03/2017</a:t>
+              <a:t>9/03/2017</a:t>
             </a:fld>
             <a:endParaRPr lang="es-PE"/>
           </a:p>
@@ -1040,7 +1040,7 @@
           <a:p>
             <a:fld id="{93B382EE-9EE9-4702-9E8A-66912E836D88}" type="datetimeFigureOut">
               <a:rPr lang="es-PE" smtClean="0"/>
-              <a:t>8/03/2017</a:t>
+              <a:t>9/03/2017</a:t>
             </a:fld>
             <a:endParaRPr lang="es-PE"/>
           </a:p>
@@ -1272,7 +1272,7 @@
           <a:p>
             <a:fld id="{93B382EE-9EE9-4702-9E8A-66912E836D88}" type="datetimeFigureOut">
               <a:rPr lang="es-PE" smtClean="0"/>
-              <a:t>8/03/2017</a:t>
+              <a:t>9/03/2017</a:t>
             </a:fld>
             <a:endParaRPr lang="es-PE"/>
           </a:p>
@@ -1639,7 +1639,7 @@
           <a:p>
             <a:fld id="{93B382EE-9EE9-4702-9E8A-66912E836D88}" type="datetimeFigureOut">
               <a:rPr lang="es-PE" smtClean="0"/>
-              <a:t>8/03/2017</a:t>
+              <a:t>9/03/2017</a:t>
             </a:fld>
             <a:endParaRPr lang="es-PE"/>
           </a:p>
@@ -1757,7 +1757,7 @@
           <a:p>
             <a:fld id="{93B382EE-9EE9-4702-9E8A-66912E836D88}" type="datetimeFigureOut">
               <a:rPr lang="es-PE" smtClean="0"/>
-              <a:t>8/03/2017</a:t>
+              <a:t>9/03/2017</a:t>
             </a:fld>
             <a:endParaRPr lang="es-PE"/>
           </a:p>
@@ -1852,7 +1852,7 @@
           <a:p>
             <a:fld id="{93B382EE-9EE9-4702-9E8A-66912E836D88}" type="datetimeFigureOut">
               <a:rPr lang="es-PE" smtClean="0"/>
-              <a:t>8/03/2017</a:t>
+              <a:t>9/03/2017</a:t>
             </a:fld>
             <a:endParaRPr lang="es-PE"/>
           </a:p>
@@ -2129,7 +2129,7 @@
           <a:p>
             <a:fld id="{93B382EE-9EE9-4702-9E8A-66912E836D88}" type="datetimeFigureOut">
               <a:rPr lang="es-PE" smtClean="0"/>
-              <a:t>8/03/2017</a:t>
+              <a:t>9/03/2017</a:t>
             </a:fld>
             <a:endParaRPr lang="es-PE"/>
           </a:p>
@@ -2382,7 +2382,7 @@
           <a:p>
             <a:fld id="{93B382EE-9EE9-4702-9E8A-66912E836D88}" type="datetimeFigureOut">
               <a:rPr lang="es-PE" smtClean="0"/>
-              <a:t>8/03/2017</a:t>
+              <a:t>9/03/2017</a:t>
             </a:fld>
             <a:endParaRPr lang="es-PE"/>
           </a:p>
@@ -2595,7 +2595,7 @@
           <a:p>
             <a:fld id="{93B382EE-9EE9-4702-9E8A-66912E836D88}" type="datetimeFigureOut">
               <a:rPr lang="es-PE" smtClean="0"/>
-              <a:t>8/03/2017</a:t>
+              <a:t>9/03/2017</a:t>
             </a:fld>
             <a:endParaRPr lang="es-PE"/>
           </a:p>
@@ -4600,7 +4600,7 @@
         </p:blipFill>
         <p:spPr>
           <a:xfrm>
-            <a:off x="205569" y="148348"/>
+            <a:off x="4217571" y="0"/>
             <a:ext cx="3619500" cy="2466975"/>
           </a:xfrm>
           <a:prstGeom prst="rect">
@@ -4624,7 +4624,7 @@
         </p:blipFill>
         <p:spPr>
           <a:xfrm>
-            <a:off x="205569" y="2727490"/>
+            <a:off x="0" y="0"/>
             <a:ext cx="4210050" cy="2276475"/>
           </a:xfrm>
           <a:prstGeom prst="rect">
@@ -4632,6 +4632,112 @@
           </a:prstGeom>
         </p:spPr>
       </p:pic>
+      <p:pic>
+        <p:nvPicPr>
+          <p:cNvPr id="4" name="Picture 3"/>
+          <p:cNvPicPr>
+            <a:picLocks noChangeAspect="1"/>
+          </p:cNvPicPr>
+          <p:nvPr/>
+        </p:nvPicPr>
+        <p:blipFill>
+          <a:blip r:embed="rId4"/>
+          <a:stretch>
+            <a:fillRect/>
+          </a:stretch>
+        </p:blipFill>
+        <p:spPr>
+          <a:xfrm>
+            <a:off x="0" y="2360702"/>
+            <a:ext cx="3286125" cy="2609850"/>
+          </a:xfrm>
+          <a:prstGeom prst="rect">
+            <a:avLst/>
+          </a:prstGeom>
+        </p:spPr>
+      </p:pic>
+      <p:pic>
+        <p:nvPicPr>
+          <p:cNvPr id="5" name="Picture 4"/>
+          <p:cNvPicPr>
+            <a:picLocks noChangeAspect="1"/>
+          </p:cNvPicPr>
+          <p:nvPr/>
+        </p:nvPicPr>
+        <p:blipFill>
+          <a:blip r:embed="rId5"/>
+          <a:stretch>
+            <a:fillRect/>
+          </a:stretch>
+        </p:blipFill>
+        <p:spPr>
+          <a:xfrm>
+            <a:off x="3540244" y="2667079"/>
+            <a:ext cx="4438650" cy="2124075"/>
+          </a:xfrm>
+          <a:prstGeom prst="rect">
+            <a:avLst/>
+          </a:prstGeom>
+        </p:spPr>
+      </p:pic>
+      <p:pic>
+        <p:nvPicPr>
+          <p:cNvPr id="6" name="Picture 5"/>
+          <p:cNvPicPr>
+            <a:picLocks noChangeAspect="1"/>
+          </p:cNvPicPr>
+          <p:nvPr/>
+        </p:nvPicPr>
+        <p:blipFill>
+          <a:blip r:embed="rId6"/>
+          <a:stretch>
+            <a:fillRect/>
+          </a:stretch>
+        </p:blipFill>
+        <p:spPr>
+          <a:xfrm>
+            <a:off x="7978894" y="0"/>
+            <a:ext cx="4448175" cy="2743200"/>
+          </a:xfrm>
+          <a:prstGeom prst="rect">
+            <a:avLst/>
+          </a:prstGeom>
+        </p:spPr>
+      </p:pic>
+      <p:sp>
+        <p:nvSpPr>
+          <p:cNvPr id="7" name="TextBox 6"/>
+          <p:cNvSpPr txBox="1"/>
+          <p:nvPr/>
+        </p:nvSpPr>
+        <p:spPr>
+          <a:xfrm>
+            <a:off x="353683" y="5210355"/>
+            <a:ext cx="2173857" cy="369332"/>
+          </a:xfrm>
+          <a:prstGeom prst="rect">
+            <a:avLst/>
+          </a:prstGeom>
+          <a:noFill/>
+        </p:spPr>
+        <p:txBody>
+          <a:bodyPr wrap="square" rtlCol="0">
+            <a:spAutoFit/>
+          </a:bodyPr>
+          <a:lstStyle/>
+          <a:p>
+            <a:r>
+              <a:rPr lang="es-PE" dirty="0" err="1" smtClean="0"/>
+              <a:t>Viewport</a:t>
+            </a:r>
+            <a:r>
+              <a:rPr lang="es-PE" dirty="0" smtClean="0"/>
+              <a:t> (investigar)</a:t>
+            </a:r>
+            <a:endParaRPr lang="en-US" dirty="0"/>
+          </a:p>
+        </p:txBody>
+      </p:sp>
     </p:spTree>
     <p:extLst>
       <p:ext uri="{BB962C8B-B14F-4D97-AF65-F5344CB8AC3E}">
@@ -4662,6 +4768,126 @@
           <a:chExt cx="0" cy="0"/>
         </a:xfrm>
       </p:grpSpPr>
+      <p:pic>
+        <p:nvPicPr>
+          <p:cNvPr id="2" name="Picture 1"/>
+          <p:cNvPicPr>
+            <a:picLocks noChangeAspect="1"/>
+          </p:cNvPicPr>
+          <p:nvPr/>
+        </p:nvPicPr>
+        <p:blipFill>
+          <a:blip r:embed="rId2"/>
+          <a:stretch>
+            <a:fillRect/>
+          </a:stretch>
+        </p:blipFill>
+        <p:spPr>
+          <a:xfrm>
+            <a:off x="384684" y="2174126"/>
+            <a:ext cx="3762375" cy="2371725"/>
+          </a:xfrm>
+          <a:prstGeom prst="rect">
+            <a:avLst/>
+          </a:prstGeom>
+        </p:spPr>
+      </p:pic>
+      <p:pic>
+        <p:nvPicPr>
+          <p:cNvPr id="3" name="Picture 2"/>
+          <p:cNvPicPr>
+            <a:picLocks noChangeAspect="1"/>
+          </p:cNvPicPr>
+          <p:nvPr/>
+        </p:nvPicPr>
+        <p:blipFill>
+          <a:blip r:embed="rId3"/>
+          <a:stretch>
+            <a:fillRect/>
+          </a:stretch>
+        </p:blipFill>
+        <p:spPr>
+          <a:xfrm>
+            <a:off x="384684" y="105770"/>
+            <a:ext cx="3638550" cy="1933575"/>
+          </a:xfrm>
+          <a:prstGeom prst="rect">
+            <a:avLst/>
+          </a:prstGeom>
+        </p:spPr>
+      </p:pic>
+      <p:pic>
+        <p:nvPicPr>
+          <p:cNvPr id="4" name="Picture 3"/>
+          <p:cNvPicPr>
+            <a:picLocks noChangeAspect="1"/>
+          </p:cNvPicPr>
+          <p:nvPr/>
+        </p:nvPicPr>
+        <p:blipFill>
+          <a:blip r:embed="rId4"/>
+          <a:stretch>
+            <a:fillRect/>
+          </a:stretch>
+        </p:blipFill>
+        <p:spPr>
+          <a:xfrm>
+            <a:off x="384684" y="4680632"/>
+            <a:ext cx="3295650" cy="2133600"/>
+          </a:xfrm>
+          <a:prstGeom prst="rect">
+            <a:avLst/>
+          </a:prstGeom>
+        </p:spPr>
+      </p:pic>
+      <p:pic>
+        <p:nvPicPr>
+          <p:cNvPr id="5" name="Picture 4"/>
+          <p:cNvPicPr>
+            <a:picLocks noChangeAspect="1"/>
+          </p:cNvPicPr>
+          <p:nvPr/>
+        </p:nvPicPr>
+        <p:blipFill>
+          <a:blip r:embed="rId5"/>
+          <a:stretch>
+            <a:fillRect/>
+          </a:stretch>
+        </p:blipFill>
+        <p:spPr>
+          <a:xfrm>
+            <a:off x="4287149" y="105770"/>
+            <a:ext cx="4514850" cy="2295525"/>
+          </a:xfrm>
+          <a:prstGeom prst="rect">
+            <a:avLst/>
+          </a:prstGeom>
+        </p:spPr>
+      </p:pic>
+      <p:pic>
+        <p:nvPicPr>
+          <p:cNvPr id="6" name="Picture 5"/>
+          <p:cNvPicPr>
+            <a:picLocks noChangeAspect="1"/>
+          </p:cNvPicPr>
+          <p:nvPr/>
+        </p:nvPicPr>
+        <p:blipFill>
+          <a:blip r:embed="rId6"/>
+          <a:stretch>
+            <a:fillRect/>
+          </a:stretch>
+        </p:blipFill>
+        <p:spPr>
+          <a:xfrm>
+            <a:off x="4287149" y="2461307"/>
+            <a:ext cx="3324225" cy="2219325"/>
+          </a:xfrm>
+          <a:prstGeom prst="rect">
+            <a:avLst/>
+          </a:prstGeom>
+        </p:spPr>
+      </p:pic>
     </p:spTree>
     <p:extLst>
       <p:ext uri="{BB962C8B-B14F-4D97-AF65-F5344CB8AC3E}">
